--- a/Data Set Building.pptx
+++ b/Data Set Building.pptx
@@ -8,9 +8,12 @@
     <p:sldId id="256" r:id="rId2"/>
     <p:sldId id="258" r:id="rId3"/>
     <p:sldId id="260" r:id="rId4"/>
-    <p:sldId id="261" r:id="rId5"/>
-    <p:sldId id="257" r:id="rId6"/>
-    <p:sldId id="259" r:id="rId7"/>
+    <p:sldId id="262" r:id="rId5"/>
+    <p:sldId id="263" r:id="rId6"/>
+    <p:sldId id="264" r:id="rId7"/>
+    <p:sldId id="261" r:id="rId8"/>
+    <p:sldId id="257" r:id="rId9"/>
+    <p:sldId id="259" r:id="rId10"/>
   </p:sldIdLst>
   <p:sldSz cx="12192000" cy="6858000"/>
   <p:notesSz cx="6858000" cy="9144000"/>
@@ -3375,7 +3378,7 @@
           <a:bodyPr/>
           <a:lstStyle/>
           <a:p>
-            <a:endParaRPr lang="en-US"/>
+            <a:endParaRPr lang="en-US" dirty="0"/>
           </a:p>
         </p:txBody>
       </p:sp>
@@ -3843,7 +3846,7 @@
           <p:cNvPr id="2" name="Title 1">
             <a:extLst>
               <a:ext uri="{FF2B5EF4-FFF2-40B4-BE49-F238E27FC236}">
-                <a16:creationId xmlns:a16="http://schemas.microsoft.com/office/drawing/2014/main" id="{83A25EA4-7F3F-42CA-A854-C88BABE54B8B}"/>
+                <a16:creationId xmlns:a16="http://schemas.microsoft.com/office/drawing/2014/main" id="{20E4AC25-D6D2-4B5B-853B-C92A5991D590}"/>
               </a:ext>
             </a:extLst>
           </p:cNvPr>
@@ -3861,7 +3864,7 @@
           <a:p>
             <a:r>
               <a:rPr lang="en-US" dirty="0"/>
-              <a:t>Data Acquisition</a:t>
+              <a:t>Saw Image Acquisition based on annotation</a:t>
             </a:r>
           </a:p>
         </p:txBody>
@@ -3871,7 +3874,7 @@
           <p:cNvPr id="3" name="Content Placeholder 2">
             <a:extLst>
               <a:ext uri="{FF2B5EF4-FFF2-40B4-BE49-F238E27FC236}">
-                <a16:creationId xmlns:a16="http://schemas.microsoft.com/office/drawing/2014/main" id="{457CCFC7-8FE0-4F17-A398-6910A9B813FF}"/>
+                <a16:creationId xmlns:a16="http://schemas.microsoft.com/office/drawing/2014/main" id="{DFF1638A-68EE-40B4-BB19-92F00A085DF4}"/>
               </a:ext>
             </a:extLst>
           </p:cNvPr>
@@ -3887,23 +3890,44 @@
           <a:bodyPr/>
           <a:lstStyle/>
           <a:p>
-            <a:r>
-              <a:rPr lang="en-US" dirty="0"/>
-              <a:t>Based on the consultation, pulling resistance data and observation excel sheet from company database for each possible failing pattern. Each pattern will have at least 10 wafer data to support it. (See ID_Selected.xlsx for more details)</a:t>
-            </a:r>
-          </a:p>
-          <a:p>
-            <a:r>
-              <a:rPr lang="en-US" dirty="0"/>
-              <a:t>As a result, 1090 wafer ID are selected. </a:t>
-            </a:r>
-          </a:p>
-        </p:txBody>
-      </p:sp>
+            <a:endParaRPr lang="en-US" dirty="0"/>
+          </a:p>
+        </p:txBody>
+      </p:sp>
+      <p:pic>
+        <p:nvPicPr>
+          <p:cNvPr id="4" name="Picture 3">
+            <a:extLst>
+              <a:ext uri="{FF2B5EF4-FFF2-40B4-BE49-F238E27FC236}">
+                <a16:creationId xmlns:a16="http://schemas.microsoft.com/office/drawing/2014/main" id="{7BCED724-FDDE-4023-92BF-096D44189BFC}"/>
+              </a:ext>
+            </a:extLst>
+          </p:cNvPr>
+          <p:cNvPicPr>
+            <a:picLocks noChangeAspect="1"/>
+          </p:cNvPicPr>
+          <p:nvPr/>
+        </p:nvPicPr>
+        <p:blipFill>
+          <a:blip r:embed="rId2"/>
+          <a:stretch>
+            <a:fillRect/>
+          </a:stretch>
+        </p:blipFill>
+        <p:spPr>
+          <a:xfrm>
+            <a:off x="2147887" y="2257425"/>
+            <a:ext cx="7896225" cy="2343150"/>
+          </a:xfrm>
+          <a:prstGeom prst="rect">
+            <a:avLst/>
+          </a:prstGeom>
+        </p:spPr>
+      </p:pic>
     </p:spTree>
     <p:extLst>
       <p:ext uri="{BB962C8B-B14F-4D97-AF65-F5344CB8AC3E}">
-        <p14:creationId xmlns:p14="http://schemas.microsoft.com/office/powerpoint/2010/main" val="1720492147"/>
+        <p14:creationId xmlns:p14="http://schemas.microsoft.com/office/powerpoint/2010/main" val="3893432587"/>
       </p:ext>
     </p:extLst>
   </p:cSld>
@@ -3935,7 +3959,7 @@
           <p:cNvPr id="2" name="Title 1">
             <a:extLst>
               <a:ext uri="{FF2B5EF4-FFF2-40B4-BE49-F238E27FC236}">
-                <a16:creationId xmlns:a16="http://schemas.microsoft.com/office/drawing/2014/main" id="{A4EFEA1C-5289-42F4-8491-66882B72A819}"/>
+                <a16:creationId xmlns:a16="http://schemas.microsoft.com/office/drawing/2014/main" id="{B1FFE36E-F321-4E26-B33C-7F236CA47904}"/>
               </a:ext>
             </a:extLst>
           </p:cNvPr>
@@ -3953,7 +3977,7 @@
           <a:p>
             <a:r>
               <a:rPr lang="en-US" dirty="0"/>
-              <a:t>Data Wrangling</a:t>
+              <a:t>Grind Image Acquisition based on annotation</a:t>
             </a:r>
           </a:p>
         </p:txBody>
@@ -3963,7 +3987,7 @@
           <p:cNvPr id="3" name="Content Placeholder 2">
             <a:extLst>
               <a:ext uri="{FF2B5EF4-FFF2-40B4-BE49-F238E27FC236}">
-                <a16:creationId xmlns:a16="http://schemas.microsoft.com/office/drawing/2014/main" id="{E3DB2443-5E0D-4F54-B620-758FC0B30399}"/>
+                <a16:creationId xmlns:a16="http://schemas.microsoft.com/office/drawing/2014/main" id="{C4A3ED86-B13C-43D0-9A20-A163997E6898}"/>
               </a:ext>
             </a:extLst>
           </p:cNvPr>
@@ -3979,35 +4003,44 @@
           <a:bodyPr/>
           <a:lstStyle/>
           <a:p>
-            <a:r>
-              <a:rPr lang="en-US" dirty="0"/>
-              <a:t>After getting 1090 wafer IDs, resistance measurement data are obtained from company database. The raw data is in csv format. (see raw_data.csv)</a:t>
-            </a:r>
-          </a:p>
-          <a:p>
-            <a:r>
-              <a:rPr lang="en-US" dirty="0"/>
-              <a:t>Technician observation data are obtained in excel format. (see TechnicianObservationData.xlsx)</a:t>
-            </a:r>
-          </a:p>
-          <a:p>
-            <a:r>
-              <a:rPr lang="en-US" dirty="0"/>
-              <a:t>The two files are compiled into final data td6.xlsx.</a:t>
-            </a:r>
-          </a:p>
-          <a:p>
-            <a:r>
-              <a:rPr lang="en-US" dirty="0"/>
-              <a:t>Each line represents all resistance data with its classification result.</a:t>
-            </a:r>
-          </a:p>
-        </p:txBody>
-      </p:sp>
+            <a:endParaRPr lang="en-US"/>
+          </a:p>
+        </p:txBody>
+      </p:sp>
+      <p:pic>
+        <p:nvPicPr>
+          <p:cNvPr id="4" name="Picture 3">
+            <a:extLst>
+              <a:ext uri="{FF2B5EF4-FFF2-40B4-BE49-F238E27FC236}">
+                <a16:creationId xmlns:a16="http://schemas.microsoft.com/office/drawing/2014/main" id="{AAE2DF3A-6085-49AF-B273-F83EA96456C5}"/>
+              </a:ext>
+            </a:extLst>
+          </p:cNvPr>
+          <p:cNvPicPr>
+            <a:picLocks noChangeAspect="1"/>
+          </p:cNvPicPr>
+          <p:nvPr/>
+        </p:nvPicPr>
+        <p:blipFill>
+          <a:blip r:embed="rId2"/>
+          <a:stretch>
+            <a:fillRect/>
+          </a:stretch>
+        </p:blipFill>
+        <p:spPr>
+          <a:xfrm>
+            <a:off x="2116416" y="2893586"/>
+            <a:ext cx="7600950" cy="2371725"/>
+          </a:xfrm>
+          <a:prstGeom prst="rect">
+            <a:avLst/>
+          </a:prstGeom>
+        </p:spPr>
+      </p:pic>
     </p:spTree>
     <p:extLst>
       <p:ext uri="{BB962C8B-B14F-4D97-AF65-F5344CB8AC3E}">
-        <p14:creationId xmlns:p14="http://schemas.microsoft.com/office/powerpoint/2010/main" val="4042324757"/>
+        <p14:creationId xmlns:p14="http://schemas.microsoft.com/office/powerpoint/2010/main" val="4017482811"/>
       </p:ext>
     </p:extLst>
   </p:cSld>
@@ -4039,6 +4072,352 @@
           <p:cNvPr id="2" name="Title 1">
             <a:extLst>
               <a:ext uri="{FF2B5EF4-FFF2-40B4-BE49-F238E27FC236}">
+                <a16:creationId xmlns:a16="http://schemas.microsoft.com/office/drawing/2014/main" id="{E5783376-CF77-46EC-83C4-F16177E55D42}"/>
+              </a:ext>
+            </a:extLst>
+          </p:cNvPr>
+          <p:cNvSpPr>
+            <a:spLocks noGrp="1"/>
+          </p:cNvSpPr>
+          <p:nvPr>
+            <p:ph type="title"/>
+          </p:nvPr>
+        </p:nvSpPr>
+        <p:spPr/>
+        <p:txBody>
+          <a:bodyPr/>
+          <a:lstStyle/>
+          <a:p>
+            <a:r>
+              <a:rPr lang="en-US" dirty="0"/>
+              <a:t>Material Issue – Based on failing patterns</a:t>
+            </a:r>
+          </a:p>
+        </p:txBody>
+      </p:sp>
+      <p:pic>
+        <p:nvPicPr>
+          <p:cNvPr id="5" name="Content Placeholder 4">
+            <a:extLst>
+              <a:ext uri="{FF2B5EF4-FFF2-40B4-BE49-F238E27FC236}">
+                <a16:creationId xmlns:a16="http://schemas.microsoft.com/office/drawing/2014/main" id="{1E9FD4F7-45A6-469C-A576-8D9934BE7A73}"/>
+              </a:ext>
+            </a:extLst>
+          </p:cNvPr>
+          <p:cNvPicPr>
+            <a:picLocks noGrp="1" noChangeAspect="1"/>
+          </p:cNvPicPr>
+          <p:nvPr>
+            <p:ph idx="1"/>
+          </p:nvPr>
+        </p:nvPicPr>
+        <p:blipFill>
+          <a:blip r:embed="rId2"/>
+          <a:stretch>
+            <a:fillRect/>
+          </a:stretch>
+        </p:blipFill>
+        <p:spPr>
+          <a:xfrm>
+            <a:off x="907526" y="2181225"/>
+            <a:ext cx="2552700" cy="2476500"/>
+          </a:xfrm>
+          <a:prstGeom prst="rect">
+            <a:avLst/>
+          </a:prstGeom>
+        </p:spPr>
+      </p:pic>
+      <p:pic>
+        <p:nvPicPr>
+          <p:cNvPr id="4" name="Picture 3">
+            <a:extLst>
+              <a:ext uri="{FF2B5EF4-FFF2-40B4-BE49-F238E27FC236}">
+                <a16:creationId xmlns:a16="http://schemas.microsoft.com/office/drawing/2014/main" id="{C9A5BABF-FBF0-4D3D-BB7C-28AC50A43BBB}"/>
+              </a:ext>
+            </a:extLst>
+          </p:cNvPr>
+          <p:cNvPicPr>
+            <a:picLocks noChangeAspect="1"/>
+          </p:cNvPicPr>
+          <p:nvPr/>
+        </p:nvPicPr>
+        <p:blipFill>
+          <a:blip r:embed="rId3"/>
+          <a:stretch>
+            <a:fillRect/>
+          </a:stretch>
+        </p:blipFill>
+        <p:spPr>
+          <a:xfrm>
+            <a:off x="3533775" y="2200275"/>
+            <a:ext cx="5124450" cy="2457450"/>
+          </a:xfrm>
+          <a:prstGeom prst="rect">
+            <a:avLst/>
+          </a:prstGeom>
+        </p:spPr>
+      </p:pic>
+      <p:pic>
+        <p:nvPicPr>
+          <p:cNvPr id="6" name="Picture 5">
+            <a:extLst>
+              <a:ext uri="{FF2B5EF4-FFF2-40B4-BE49-F238E27FC236}">
+                <a16:creationId xmlns:a16="http://schemas.microsoft.com/office/drawing/2014/main" id="{469870AA-ED36-4583-9F67-A5EC1D909653}"/>
+              </a:ext>
+            </a:extLst>
+          </p:cNvPr>
+          <p:cNvPicPr>
+            <a:picLocks noChangeAspect="1"/>
+          </p:cNvPicPr>
+          <p:nvPr/>
+        </p:nvPicPr>
+        <p:blipFill>
+          <a:blip r:embed="rId4"/>
+          <a:stretch>
+            <a:fillRect/>
+          </a:stretch>
+        </p:blipFill>
+        <p:spPr>
+          <a:xfrm>
+            <a:off x="8658225" y="2141357"/>
+            <a:ext cx="2514600" cy="2419350"/>
+          </a:xfrm>
+          <a:prstGeom prst="rect">
+            <a:avLst/>
+          </a:prstGeom>
+        </p:spPr>
+      </p:pic>
+    </p:spTree>
+    <p:extLst>
+      <p:ext uri="{BB962C8B-B14F-4D97-AF65-F5344CB8AC3E}">
+        <p14:creationId xmlns:p14="http://schemas.microsoft.com/office/powerpoint/2010/main" val="360024971"/>
+      </p:ext>
+    </p:extLst>
+  </p:cSld>
+  <p:clrMapOvr>
+    <a:masterClrMapping/>
+  </p:clrMapOvr>
+</p:sld>
+</file>
+
+<file path=ppt/slides/slide7.xml><?xml version="1.0" encoding="utf-8"?>
+<p:sld xmlns:a="http://schemas.openxmlformats.org/drawingml/2006/main" xmlns:r="http://schemas.openxmlformats.org/officeDocument/2006/relationships" xmlns:p="http://schemas.openxmlformats.org/presentationml/2006/main">
+  <p:cSld>
+    <p:spTree>
+      <p:nvGrpSpPr>
+        <p:cNvPr id="1" name=""/>
+        <p:cNvGrpSpPr/>
+        <p:nvPr/>
+      </p:nvGrpSpPr>
+      <p:grpSpPr>
+        <a:xfrm>
+          <a:off x="0" y="0"/>
+          <a:ext cx="0" cy="0"/>
+          <a:chOff x="0" y="0"/>
+          <a:chExt cx="0" cy="0"/>
+        </a:xfrm>
+      </p:grpSpPr>
+      <p:sp>
+        <p:nvSpPr>
+          <p:cNvPr id="2" name="Title 1">
+            <a:extLst>
+              <a:ext uri="{FF2B5EF4-FFF2-40B4-BE49-F238E27FC236}">
+                <a16:creationId xmlns:a16="http://schemas.microsoft.com/office/drawing/2014/main" id="{83A25EA4-7F3F-42CA-A854-C88BABE54B8B}"/>
+              </a:ext>
+            </a:extLst>
+          </p:cNvPr>
+          <p:cNvSpPr>
+            <a:spLocks noGrp="1"/>
+          </p:cNvSpPr>
+          <p:nvPr>
+            <p:ph type="title"/>
+          </p:nvPr>
+        </p:nvSpPr>
+        <p:spPr/>
+        <p:txBody>
+          <a:bodyPr/>
+          <a:lstStyle/>
+          <a:p>
+            <a:r>
+              <a:rPr lang="en-US" dirty="0"/>
+              <a:t>Data Acquisition</a:t>
+            </a:r>
+          </a:p>
+        </p:txBody>
+      </p:sp>
+      <p:sp>
+        <p:nvSpPr>
+          <p:cNvPr id="3" name="Content Placeholder 2">
+            <a:extLst>
+              <a:ext uri="{FF2B5EF4-FFF2-40B4-BE49-F238E27FC236}">
+                <a16:creationId xmlns:a16="http://schemas.microsoft.com/office/drawing/2014/main" id="{457CCFC7-8FE0-4F17-A398-6910A9B813FF}"/>
+              </a:ext>
+            </a:extLst>
+          </p:cNvPr>
+          <p:cNvSpPr>
+            <a:spLocks noGrp="1"/>
+          </p:cNvSpPr>
+          <p:nvPr>
+            <p:ph idx="1"/>
+          </p:nvPr>
+        </p:nvSpPr>
+        <p:spPr/>
+        <p:txBody>
+          <a:bodyPr/>
+          <a:lstStyle/>
+          <a:p>
+            <a:r>
+              <a:rPr lang="en-US" dirty="0"/>
+              <a:t>Based on the consultation, pulling resistance data and observation excel sheet from company database for each possible failing pattern. Each pattern will have at least 10 wafer data to support it. (See ID_Selected.xlsx for more details)</a:t>
+            </a:r>
+          </a:p>
+          <a:p>
+            <a:r>
+              <a:rPr lang="en-US" dirty="0"/>
+              <a:t>As a result, 1090 wafer ID are selected. </a:t>
+            </a:r>
+          </a:p>
+        </p:txBody>
+      </p:sp>
+    </p:spTree>
+    <p:extLst>
+      <p:ext uri="{BB962C8B-B14F-4D97-AF65-F5344CB8AC3E}">
+        <p14:creationId xmlns:p14="http://schemas.microsoft.com/office/powerpoint/2010/main" val="1720492147"/>
+      </p:ext>
+    </p:extLst>
+  </p:cSld>
+  <p:clrMapOvr>
+    <a:masterClrMapping/>
+  </p:clrMapOvr>
+</p:sld>
+</file>
+
+<file path=ppt/slides/slide8.xml><?xml version="1.0" encoding="utf-8"?>
+<p:sld xmlns:a="http://schemas.openxmlformats.org/drawingml/2006/main" xmlns:r="http://schemas.openxmlformats.org/officeDocument/2006/relationships" xmlns:p="http://schemas.openxmlformats.org/presentationml/2006/main">
+  <p:cSld>
+    <p:spTree>
+      <p:nvGrpSpPr>
+        <p:cNvPr id="1" name=""/>
+        <p:cNvGrpSpPr/>
+        <p:nvPr/>
+      </p:nvGrpSpPr>
+      <p:grpSpPr>
+        <a:xfrm>
+          <a:off x="0" y="0"/>
+          <a:ext cx="0" cy="0"/>
+          <a:chOff x="0" y="0"/>
+          <a:chExt cx="0" cy="0"/>
+        </a:xfrm>
+      </p:grpSpPr>
+      <p:sp>
+        <p:nvSpPr>
+          <p:cNvPr id="2" name="Title 1">
+            <a:extLst>
+              <a:ext uri="{FF2B5EF4-FFF2-40B4-BE49-F238E27FC236}">
+                <a16:creationId xmlns:a16="http://schemas.microsoft.com/office/drawing/2014/main" id="{A4EFEA1C-5289-42F4-8491-66882B72A819}"/>
+              </a:ext>
+            </a:extLst>
+          </p:cNvPr>
+          <p:cNvSpPr>
+            <a:spLocks noGrp="1"/>
+          </p:cNvSpPr>
+          <p:nvPr>
+            <p:ph type="title"/>
+          </p:nvPr>
+        </p:nvSpPr>
+        <p:spPr/>
+        <p:txBody>
+          <a:bodyPr/>
+          <a:lstStyle/>
+          <a:p>
+            <a:r>
+              <a:rPr lang="en-US" dirty="0"/>
+              <a:t>Data Wrangling</a:t>
+            </a:r>
+          </a:p>
+        </p:txBody>
+      </p:sp>
+      <p:sp>
+        <p:nvSpPr>
+          <p:cNvPr id="3" name="Content Placeholder 2">
+            <a:extLst>
+              <a:ext uri="{FF2B5EF4-FFF2-40B4-BE49-F238E27FC236}">
+                <a16:creationId xmlns:a16="http://schemas.microsoft.com/office/drawing/2014/main" id="{E3DB2443-5E0D-4F54-B620-758FC0B30399}"/>
+              </a:ext>
+            </a:extLst>
+          </p:cNvPr>
+          <p:cNvSpPr>
+            <a:spLocks noGrp="1"/>
+          </p:cNvSpPr>
+          <p:nvPr>
+            <p:ph idx="1"/>
+          </p:nvPr>
+        </p:nvSpPr>
+        <p:spPr/>
+        <p:txBody>
+          <a:bodyPr/>
+          <a:lstStyle/>
+          <a:p>
+            <a:r>
+              <a:rPr lang="en-US" dirty="0"/>
+              <a:t>After getting 1090 wafer IDs, resistance measurement data are obtained from company database. The raw data is in csv format. (see raw_data.csv)</a:t>
+            </a:r>
+          </a:p>
+          <a:p>
+            <a:r>
+              <a:rPr lang="en-US" dirty="0"/>
+              <a:t>Technician observation data are obtained in excel format. (see TechnicianObservationData.xlsx)</a:t>
+            </a:r>
+          </a:p>
+          <a:p>
+            <a:r>
+              <a:rPr lang="en-US" dirty="0"/>
+              <a:t>The two files are compiled into final data td6.xlsx.</a:t>
+            </a:r>
+          </a:p>
+          <a:p>
+            <a:r>
+              <a:rPr lang="en-US" dirty="0"/>
+              <a:t>Each line represents all resistance data with its classification result.</a:t>
+            </a:r>
+          </a:p>
+        </p:txBody>
+      </p:sp>
+    </p:spTree>
+    <p:extLst>
+      <p:ext uri="{BB962C8B-B14F-4D97-AF65-F5344CB8AC3E}">
+        <p14:creationId xmlns:p14="http://schemas.microsoft.com/office/powerpoint/2010/main" val="4042324757"/>
+      </p:ext>
+    </p:extLst>
+  </p:cSld>
+  <p:clrMapOvr>
+    <a:masterClrMapping/>
+  </p:clrMapOvr>
+</p:sld>
+</file>
+
+<file path=ppt/slides/slide9.xml><?xml version="1.0" encoding="utf-8"?>
+<p:sld xmlns:a="http://schemas.openxmlformats.org/drawingml/2006/main" xmlns:r="http://schemas.openxmlformats.org/officeDocument/2006/relationships" xmlns:p="http://schemas.openxmlformats.org/presentationml/2006/main">
+  <p:cSld>
+    <p:spTree>
+      <p:nvGrpSpPr>
+        <p:cNvPr id="1" name=""/>
+        <p:cNvGrpSpPr/>
+        <p:nvPr/>
+      </p:nvGrpSpPr>
+      <p:grpSpPr>
+        <a:xfrm>
+          <a:off x="0" y="0"/>
+          <a:ext cx="0" cy="0"/>
+          <a:chOff x="0" y="0"/>
+          <a:chExt cx="0" cy="0"/>
+        </a:xfrm>
+      </p:grpSpPr>
+      <p:sp>
+        <p:nvSpPr>
+          <p:cNvPr id="2" name="Title 1">
+            <a:extLst>
+              <a:ext uri="{FF2B5EF4-FFF2-40B4-BE49-F238E27FC236}">
                 <a16:creationId xmlns:a16="http://schemas.microsoft.com/office/drawing/2014/main" id="{96371B6B-17ED-42A5-84CB-3971C42DD6E6}"/>
               </a:ext>
             </a:extLst>
@@ -4057,13 +4436,8 @@
           <a:p>
             <a:r>
               <a:rPr lang="en-US" dirty="0"/>
-              <a:t>Data Cleansing </a:t>
-            </a:r>
-            <a:r>
-              <a:rPr lang="en-US"/>
-              <a:t>and Processing</a:t>
-            </a:r>
-            <a:endParaRPr lang="en-US" dirty="0"/>
+              <a:t>Data Cleansing and Processing</a:t>
+            </a:r>
           </a:p>
         </p:txBody>
       </p:sp>

--- a/Data Set Building.pptx
+++ b/Data Set Building.pptx
@@ -14,6 +14,8 @@
     <p:sldId id="261" r:id="rId8"/>
     <p:sldId id="257" r:id="rId9"/>
     <p:sldId id="259" r:id="rId10"/>
+    <p:sldId id="266" r:id="rId11"/>
+    <p:sldId id="265" r:id="rId12"/>
   </p:sldIdLst>
   <p:sldSz cx="12192000" cy="6858000"/>
   <p:notesSz cx="6858000" cy="9144000"/>
@@ -3395,6 +3397,305 @@
 </p:sld>
 </file>
 
+<file path=ppt/slides/slide10.xml><?xml version="1.0" encoding="utf-8"?>
+<p:sld xmlns:a="http://schemas.openxmlformats.org/drawingml/2006/main" xmlns:r="http://schemas.openxmlformats.org/officeDocument/2006/relationships" xmlns:p="http://schemas.openxmlformats.org/presentationml/2006/main">
+  <p:cSld>
+    <p:spTree>
+      <p:nvGrpSpPr>
+        <p:cNvPr id="1" name=""/>
+        <p:cNvGrpSpPr/>
+        <p:nvPr/>
+      </p:nvGrpSpPr>
+      <p:grpSpPr>
+        <a:xfrm>
+          <a:off x="0" y="0"/>
+          <a:ext cx="0" cy="0"/>
+          <a:chOff x="0" y="0"/>
+          <a:chExt cx="0" cy="0"/>
+        </a:xfrm>
+      </p:grpSpPr>
+      <p:sp>
+        <p:nvSpPr>
+          <p:cNvPr id="2" name="Title 1">
+            <a:extLst>
+              <a:ext uri="{FF2B5EF4-FFF2-40B4-BE49-F238E27FC236}">
+                <a16:creationId xmlns:a16="http://schemas.microsoft.com/office/drawing/2014/main" id="{F8B10CA1-8C95-47E4-B33F-33920CD29A13}"/>
+              </a:ext>
+            </a:extLst>
+          </p:cNvPr>
+          <p:cNvSpPr>
+            <a:spLocks noGrp="1"/>
+          </p:cNvSpPr>
+          <p:nvPr>
+            <p:ph type="title"/>
+          </p:nvPr>
+        </p:nvSpPr>
+        <p:spPr/>
+        <p:txBody>
+          <a:bodyPr/>
+          <a:lstStyle/>
+          <a:p>
+            <a:r>
+              <a:rPr lang="en-US" dirty="0"/>
+              <a:t>Learning Rate</a:t>
+            </a:r>
+          </a:p>
+        </p:txBody>
+      </p:sp>
+      <p:sp>
+        <p:nvSpPr>
+          <p:cNvPr id="3" name="Content Placeholder 2">
+            <a:extLst>
+              <a:ext uri="{FF2B5EF4-FFF2-40B4-BE49-F238E27FC236}">
+                <a16:creationId xmlns:a16="http://schemas.microsoft.com/office/drawing/2014/main" id="{CA96056A-B3B7-48CE-9347-E7EC0139B6E2}"/>
+              </a:ext>
+            </a:extLst>
+          </p:cNvPr>
+          <p:cNvSpPr>
+            <a:spLocks noGrp="1"/>
+          </p:cNvSpPr>
+          <p:nvPr>
+            <p:ph idx="1"/>
+          </p:nvPr>
+        </p:nvSpPr>
+        <p:spPr/>
+        <p:txBody>
+          <a:bodyPr/>
+          <a:lstStyle/>
+          <a:p>
+            <a:r>
+              <a:rPr lang="en-US" dirty="0"/>
+              <a:t>Set the learning rate to 0.5e-3 at the beginning. Then reduce the learning rate in step shown below:</a:t>
+            </a:r>
+          </a:p>
+          <a:p>
+            <a:endParaRPr lang="en-US" dirty="0"/>
+          </a:p>
+        </p:txBody>
+      </p:sp>
+      <p:pic>
+        <p:nvPicPr>
+          <p:cNvPr id="5" name="Picture 4">
+            <a:extLst>
+              <a:ext uri="{FF2B5EF4-FFF2-40B4-BE49-F238E27FC236}">
+                <a16:creationId xmlns:a16="http://schemas.microsoft.com/office/drawing/2014/main" id="{8847E9F2-3987-4445-A3C0-8EA15456BE64}"/>
+              </a:ext>
+            </a:extLst>
+          </p:cNvPr>
+          <p:cNvPicPr>
+            <a:picLocks noChangeAspect="1"/>
+          </p:cNvPicPr>
+          <p:nvPr/>
+        </p:nvPicPr>
+        <p:blipFill>
+          <a:blip r:embed="rId2"/>
+          <a:stretch>
+            <a:fillRect/>
+          </a:stretch>
+        </p:blipFill>
+        <p:spPr>
+          <a:xfrm>
+            <a:off x="3592642" y="3133725"/>
+            <a:ext cx="3762375" cy="2419350"/>
+          </a:xfrm>
+          <a:prstGeom prst="rect">
+            <a:avLst/>
+          </a:prstGeom>
+        </p:spPr>
+      </p:pic>
+      <p:sp>
+        <p:nvSpPr>
+          <p:cNvPr id="6" name="TextBox 5">
+            <a:extLst>
+              <a:ext uri="{FF2B5EF4-FFF2-40B4-BE49-F238E27FC236}">
+                <a16:creationId xmlns:a16="http://schemas.microsoft.com/office/drawing/2014/main" id="{9A87833A-68A8-46EC-B77D-A15DE8DDE0CC}"/>
+              </a:ext>
+            </a:extLst>
+          </p:cNvPr>
+          <p:cNvSpPr txBox="1"/>
+          <p:nvPr/>
+        </p:nvSpPr>
+        <p:spPr>
+          <a:xfrm>
+            <a:off x="7355017" y="4001294"/>
+            <a:ext cx="1470467" cy="369332"/>
+          </a:xfrm>
+          <a:prstGeom prst="rect">
+            <a:avLst/>
+          </a:prstGeom>
+          <a:noFill/>
+        </p:spPr>
+        <p:txBody>
+          <a:bodyPr wrap="none" rtlCol="0">
+            <a:spAutoFit/>
+          </a:bodyPr>
+          <a:lstStyle/>
+          <a:p>
+            <a:r>
+              <a:rPr lang="en-US" dirty="0"/>
+              <a:t>Learning Rate</a:t>
+            </a:r>
+          </a:p>
+        </p:txBody>
+      </p:sp>
+      <p:sp>
+        <p:nvSpPr>
+          <p:cNvPr id="8" name="TextBox 7">
+            <a:extLst>
+              <a:ext uri="{FF2B5EF4-FFF2-40B4-BE49-F238E27FC236}">
+                <a16:creationId xmlns:a16="http://schemas.microsoft.com/office/drawing/2014/main" id="{7D095031-8388-43BB-85C5-7B9B37735715}"/>
+              </a:ext>
+            </a:extLst>
+          </p:cNvPr>
+          <p:cNvSpPr txBox="1"/>
+          <p:nvPr/>
+        </p:nvSpPr>
+        <p:spPr>
+          <a:xfrm>
+            <a:off x="4774420" y="5495687"/>
+            <a:ext cx="760144" cy="369332"/>
+          </a:xfrm>
+          <a:prstGeom prst="rect">
+            <a:avLst/>
+          </a:prstGeom>
+          <a:noFill/>
+        </p:spPr>
+        <p:txBody>
+          <a:bodyPr wrap="none" rtlCol="0">
+            <a:spAutoFit/>
+          </a:bodyPr>
+          <a:lstStyle/>
+          <a:p>
+            <a:r>
+              <a:rPr lang="en-US" dirty="0"/>
+              <a:t>Epoch</a:t>
+            </a:r>
+          </a:p>
+        </p:txBody>
+      </p:sp>
+    </p:spTree>
+    <p:extLst>
+      <p:ext uri="{BB962C8B-B14F-4D97-AF65-F5344CB8AC3E}">
+        <p14:creationId xmlns:p14="http://schemas.microsoft.com/office/powerpoint/2010/main" val="1092139765"/>
+      </p:ext>
+    </p:extLst>
+  </p:cSld>
+  <p:clrMapOvr>
+    <a:masterClrMapping/>
+  </p:clrMapOvr>
+</p:sld>
+</file>
+
+<file path=ppt/slides/slide11.xml><?xml version="1.0" encoding="utf-8"?>
+<p:sld xmlns:a="http://schemas.openxmlformats.org/drawingml/2006/main" xmlns:r="http://schemas.openxmlformats.org/officeDocument/2006/relationships" xmlns:p="http://schemas.openxmlformats.org/presentationml/2006/main">
+  <p:cSld>
+    <p:spTree>
+      <p:nvGrpSpPr>
+        <p:cNvPr id="1" name=""/>
+        <p:cNvGrpSpPr/>
+        <p:nvPr/>
+      </p:nvGrpSpPr>
+      <p:grpSpPr>
+        <a:xfrm>
+          <a:off x="0" y="0"/>
+          <a:ext cx="0" cy="0"/>
+          <a:chOff x="0" y="0"/>
+          <a:chExt cx="0" cy="0"/>
+        </a:xfrm>
+      </p:grpSpPr>
+      <p:sp>
+        <p:nvSpPr>
+          <p:cNvPr id="2" name="Title 1">
+            <a:extLst>
+              <a:ext uri="{FF2B5EF4-FFF2-40B4-BE49-F238E27FC236}">
+                <a16:creationId xmlns:a16="http://schemas.microsoft.com/office/drawing/2014/main" id="{B4EE7984-1F8B-40B3-A863-E597BDFDFBB8}"/>
+              </a:ext>
+            </a:extLst>
+          </p:cNvPr>
+          <p:cNvSpPr>
+            <a:spLocks noGrp="1"/>
+          </p:cNvSpPr>
+          <p:nvPr>
+            <p:ph type="title"/>
+          </p:nvPr>
+        </p:nvSpPr>
+        <p:spPr/>
+        <p:txBody>
+          <a:bodyPr/>
+          <a:lstStyle/>
+          <a:p>
+            <a:endParaRPr lang="en-US"/>
+          </a:p>
+        </p:txBody>
+      </p:sp>
+      <p:sp>
+        <p:nvSpPr>
+          <p:cNvPr id="3" name="Content Placeholder 2">
+            <a:extLst>
+              <a:ext uri="{FF2B5EF4-FFF2-40B4-BE49-F238E27FC236}">
+                <a16:creationId xmlns:a16="http://schemas.microsoft.com/office/drawing/2014/main" id="{7784AAEF-5280-43EA-BC3C-30E4CE8A63FF}"/>
+              </a:ext>
+            </a:extLst>
+          </p:cNvPr>
+          <p:cNvSpPr>
+            <a:spLocks noGrp="1"/>
+          </p:cNvSpPr>
+          <p:nvPr>
+            <p:ph idx="1"/>
+          </p:nvPr>
+        </p:nvSpPr>
+        <p:spPr/>
+        <p:txBody>
+          <a:bodyPr/>
+          <a:lstStyle/>
+          <a:p>
+            <a:endParaRPr lang="en-US"/>
+          </a:p>
+        </p:txBody>
+      </p:sp>
+      <p:pic>
+        <p:nvPicPr>
+          <p:cNvPr id="4" name="Picture 3">
+            <a:extLst>
+              <a:ext uri="{FF2B5EF4-FFF2-40B4-BE49-F238E27FC236}">
+                <a16:creationId xmlns:a16="http://schemas.microsoft.com/office/drawing/2014/main" id="{8C92B4E4-4673-4255-90CB-58A7300C4B24}"/>
+              </a:ext>
+            </a:extLst>
+          </p:cNvPr>
+          <p:cNvPicPr>
+            <a:picLocks noChangeAspect="1"/>
+          </p:cNvPicPr>
+          <p:nvPr/>
+        </p:nvPicPr>
+        <p:blipFill>
+          <a:blip r:embed="rId2"/>
+          <a:stretch>
+            <a:fillRect/>
+          </a:stretch>
+        </p:blipFill>
+        <p:spPr>
+          <a:xfrm>
+            <a:off x="1614487" y="100012"/>
+            <a:ext cx="8963025" cy="6657975"/>
+          </a:xfrm>
+          <a:prstGeom prst="rect">
+            <a:avLst/>
+          </a:prstGeom>
+        </p:spPr>
+      </p:pic>
+    </p:spTree>
+    <p:extLst>
+      <p:ext uri="{BB962C8B-B14F-4D97-AF65-F5344CB8AC3E}">
+        <p14:creationId xmlns:p14="http://schemas.microsoft.com/office/powerpoint/2010/main" val="3647414359"/>
+      </p:ext>
+    </p:extLst>
+  </p:cSld>
+  <p:clrMapOvr>
+    <a:masterClrMapping/>
+  </p:clrMapOvr>
+</p:sld>
+</file>
+
 <file path=ppt/slides/slide2.xml><?xml version="1.0" encoding="utf-8"?>
 <p:sld xmlns:a="http://schemas.openxmlformats.org/drawingml/2006/main" xmlns:r="http://schemas.openxmlformats.org/officeDocument/2006/relationships" xmlns:p="http://schemas.openxmlformats.org/presentationml/2006/main">
   <p:cSld>
